--- a/Argentina Programa - MC - Modulo 4 Angular - V2 - Cesar.pptx
+++ b/Argentina Programa - MC - Modulo 4 Angular - V2 - Cesar.pptx
@@ -204,7 +204,7 @@
   </p:defaultTextStyle>
   <p:extLst>
     <p:ext uri="{EFAFB233-063F-42B5-8137-9DF3F51BA10A}">
-      <p15:sldGuideLst xmlns:p15="http://schemas.microsoft.com/office/powerpoint/2012/main" xmlns=""/>
+      <p15:sldGuideLst xmlns="" xmlns:p15="http://schemas.microsoft.com/office/powerpoint/2012/main"/>
     </p:ext>
   </p:extLst>
 </p:presentation>
@@ -17596,7 +17596,7 @@
         <p:fade/>
       </p:transition>
     </mc:Choice>
-    <mc:Fallback xmlns="" xmlns:mv="urn:schemas-microsoft-com:mac:vml" xmlns:c="http://schemas.openxmlformats.org/drawingml/2006/chart" xmlns:dgm="http://schemas.openxmlformats.org/drawingml/2006/diagram" xmlns:o="urn:schemas-microsoft-com:office:office" xmlns:v="urn:schemas-microsoft-com:vml" xmlns:pvml="urn:schemas-microsoft-com:office:powerpoint" xmlns:com="http://schemas.openxmlformats.org/drawingml/2006/compatibility" xmlns:p15="http://schemas.microsoft.com/office/powerpoint/2012/main" xmlns:ahyp="http://schemas.microsoft.com/office/drawing/2018/hyperlinkcolor">
+    <mc:Fallback xmlns:ahyp="http://schemas.microsoft.com/office/drawing/2018/hyperlinkcolor" xmlns:p15="http://schemas.microsoft.com/office/powerpoint/2012/main" xmlns:com="http://schemas.openxmlformats.org/drawingml/2006/compatibility" xmlns:pvml="urn:schemas-microsoft-com:office:powerpoint" xmlns:v="urn:schemas-microsoft-com:vml" xmlns:o="urn:schemas-microsoft-com:office:office" xmlns:dgm="http://schemas.openxmlformats.org/drawingml/2006/diagram" xmlns:c="http://schemas.openxmlformats.org/drawingml/2006/chart" xmlns:mv="urn:schemas-microsoft-com:mac:vml" xmlns="">
       <p:transition spd="slow">
         <p:fade/>
       </p:transition>
@@ -18470,7 +18470,7 @@
           <p:cNvPr id="18" name="Google Shape;124;p7">
             <a:extLst>
               <a:ext uri="{FF2B5EF4-FFF2-40B4-BE49-F238E27FC236}">
-                <a16:creationId xmlns:a16="http://schemas.microsoft.com/office/drawing/2014/main" xmlns="" id="{42586C2D-89D1-4B8A-9675-E07D4898191B}"/>
+                <a16:creationId xmlns="" xmlns:a16="http://schemas.microsoft.com/office/drawing/2014/main" id="{42586C2D-89D1-4B8A-9675-E07D4898191B}"/>
               </a:ext>
             </a:extLst>
           </p:cNvPr>
@@ -18619,17 +18619,7 @@
                 <a:effectLst/>
                 <a:latin typeface="Calibri" panose="020F0502020204030204" pitchFamily="34" charset="0"/>
               </a:rPr>
-              <a:t>Estructura </a:t>
-            </a:r>
-            <a:r>
-              <a:rPr lang="es-MX" sz="1800" b="0" i="0" u="none" strike="noStrike" dirty="0" smtClean="0">
-                <a:solidFill>
-                  <a:srgbClr val="000000"/>
-                </a:solidFill>
-                <a:effectLst/>
-                <a:latin typeface="Calibri" panose="020F0502020204030204" pitchFamily="34" charset="0"/>
-              </a:rPr>
-              <a:t>de aplicación Angular</a:t>
+              <a:t>Estructura de aplicación Angular</a:t>
             </a:r>
           </a:p>
           <a:p>
@@ -18860,7 +18850,7 @@
           <p:cNvPr id="10" name="Google Shape;124;p7">
             <a:extLst>
               <a:ext uri="{FF2B5EF4-FFF2-40B4-BE49-F238E27FC236}">
-                <a16:creationId xmlns:a16="http://schemas.microsoft.com/office/drawing/2014/main" xmlns="" id="{42586C2D-89D1-4B8A-9675-E07D4898191B}"/>
+                <a16:creationId xmlns="" xmlns:a16="http://schemas.microsoft.com/office/drawing/2014/main" id="{42586C2D-89D1-4B8A-9675-E07D4898191B}"/>
               </a:ext>
             </a:extLst>
           </p:cNvPr>
@@ -19163,7 +19153,7 @@
           <p:cNvPr id="11" name="Google Shape;124;p7">
             <a:extLst>
               <a:ext uri="{FF2B5EF4-FFF2-40B4-BE49-F238E27FC236}">
-                <a16:creationId xmlns:a16="http://schemas.microsoft.com/office/drawing/2014/main" xmlns="" id="{42586C2D-89D1-4B8A-9675-E07D4898191B}"/>
+                <a16:creationId xmlns="" xmlns:a16="http://schemas.microsoft.com/office/drawing/2014/main" id="{42586C2D-89D1-4B8A-9675-E07D4898191B}"/>
               </a:ext>
             </a:extLst>
           </p:cNvPr>
@@ -19727,7 +19717,7 @@
           <p:cNvPr id="11" name="Google Shape;124;p7">
             <a:extLst>
               <a:ext uri="{FF2B5EF4-FFF2-40B4-BE49-F238E27FC236}">
-                <a16:creationId xmlns:a16="http://schemas.microsoft.com/office/drawing/2014/main" xmlns="" id="{42586C2D-89D1-4B8A-9675-E07D4898191B}"/>
+                <a16:creationId xmlns="" xmlns:a16="http://schemas.microsoft.com/office/drawing/2014/main" id="{42586C2D-89D1-4B8A-9675-E07D4898191B}"/>
               </a:ext>
             </a:extLst>
           </p:cNvPr>
@@ -20291,7 +20281,7 @@
           <p:cNvPr id="10" name="Google Shape;124;p7">
             <a:extLst>
               <a:ext uri="{FF2B5EF4-FFF2-40B4-BE49-F238E27FC236}">
-                <a16:creationId xmlns:a16="http://schemas.microsoft.com/office/drawing/2014/main" xmlns="" id="{42586C2D-89D1-4B8A-9675-E07D4898191B}"/>
+                <a16:creationId xmlns="" xmlns:a16="http://schemas.microsoft.com/office/drawing/2014/main" id="{42586C2D-89D1-4B8A-9675-E07D4898191B}"/>
               </a:ext>
             </a:extLst>
           </p:cNvPr>
@@ -20594,7 +20584,7 @@
           <p:cNvPr id="11" name="Google Shape;124;p7">
             <a:extLst>
               <a:ext uri="{FF2B5EF4-FFF2-40B4-BE49-F238E27FC236}">
-                <a16:creationId xmlns:a16="http://schemas.microsoft.com/office/drawing/2014/main" xmlns="" id="{42586C2D-89D1-4B8A-9675-E07D4898191B}"/>
+                <a16:creationId xmlns="" xmlns:a16="http://schemas.microsoft.com/office/drawing/2014/main" id="{42586C2D-89D1-4B8A-9675-E07D4898191B}"/>
               </a:ext>
             </a:extLst>
           </p:cNvPr>
@@ -21034,7 +21024,7 @@
           <p:cNvPr id="11" name="Google Shape;124;p7">
             <a:extLst>
               <a:ext uri="{FF2B5EF4-FFF2-40B4-BE49-F238E27FC236}">
-                <a16:creationId xmlns:a16="http://schemas.microsoft.com/office/drawing/2014/main" xmlns="" id="{42586C2D-89D1-4B8A-9675-E07D4898191B}"/>
+                <a16:creationId xmlns="" xmlns:a16="http://schemas.microsoft.com/office/drawing/2014/main" id="{42586C2D-89D1-4B8A-9675-E07D4898191B}"/>
               </a:ext>
             </a:extLst>
           </p:cNvPr>
@@ -21409,7 +21399,7 @@
           <p:cNvPr id="11" name="Google Shape;124;p7">
             <a:extLst>
               <a:ext uri="{FF2B5EF4-FFF2-40B4-BE49-F238E27FC236}">
-                <a16:creationId xmlns:a16="http://schemas.microsoft.com/office/drawing/2014/main" xmlns="" id="{42586C2D-89D1-4B8A-9675-E07D4898191B}"/>
+                <a16:creationId xmlns="" xmlns:a16="http://schemas.microsoft.com/office/drawing/2014/main" id="{42586C2D-89D1-4B8A-9675-E07D4898191B}"/>
               </a:ext>
             </a:extLst>
           </p:cNvPr>
@@ -21762,7 +21752,7 @@
           <p:cNvPr id="11" name="Google Shape;124;p7">
             <a:extLst>
               <a:ext uri="{FF2B5EF4-FFF2-40B4-BE49-F238E27FC236}">
-                <a16:creationId xmlns:a16="http://schemas.microsoft.com/office/drawing/2014/main" xmlns="" id="{42586C2D-89D1-4B8A-9675-E07D4898191B}"/>
+                <a16:creationId xmlns="" xmlns:a16="http://schemas.microsoft.com/office/drawing/2014/main" id="{42586C2D-89D1-4B8A-9675-E07D4898191B}"/>
               </a:ext>
             </a:extLst>
           </p:cNvPr>
@@ -22138,7 +22128,7 @@
           <p:cNvPr id="11" name="Google Shape;124;p7">
             <a:extLst>
               <a:ext uri="{FF2B5EF4-FFF2-40B4-BE49-F238E27FC236}">
-                <a16:creationId xmlns:a16="http://schemas.microsoft.com/office/drawing/2014/main" xmlns="" id="{42586C2D-89D1-4B8A-9675-E07D4898191B}"/>
+                <a16:creationId xmlns="" xmlns:a16="http://schemas.microsoft.com/office/drawing/2014/main" id="{42586C2D-89D1-4B8A-9675-E07D4898191B}"/>
               </a:ext>
             </a:extLst>
           </p:cNvPr>
@@ -22540,7 +22530,7 @@
           <p:cNvPr id="11" name="Google Shape;124;p7">
             <a:extLst>
               <a:ext uri="{FF2B5EF4-FFF2-40B4-BE49-F238E27FC236}">
-                <a16:creationId xmlns:a16="http://schemas.microsoft.com/office/drawing/2014/main" xmlns="" id="{42586C2D-89D1-4B8A-9675-E07D4898191B}"/>
+                <a16:creationId xmlns="" xmlns:a16="http://schemas.microsoft.com/office/drawing/2014/main" id="{42586C2D-89D1-4B8A-9675-E07D4898191B}"/>
               </a:ext>
             </a:extLst>
           </p:cNvPr>
@@ -23075,7 +23065,7 @@
           <p:cNvPr id="18" name="Google Shape;124;p7">
             <a:extLst>
               <a:ext uri="{FF2B5EF4-FFF2-40B4-BE49-F238E27FC236}">
-                <a16:creationId xmlns:a16="http://schemas.microsoft.com/office/drawing/2014/main" xmlns="" id="{42586C2D-89D1-4B8A-9675-E07D4898191B}"/>
+                <a16:creationId xmlns="" xmlns:a16="http://schemas.microsoft.com/office/drawing/2014/main" id="{42586C2D-89D1-4B8A-9675-E07D4898191B}"/>
               </a:ext>
             </a:extLst>
           </p:cNvPr>
@@ -23351,7 +23341,7 @@
           <p:cNvPr id="11" name="Google Shape;124;p7">
             <a:extLst>
               <a:ext uri="{FF2B5EF4-FFF2-40B4-BE49-F238E27FC236}">
-                <a16:creationId xmlns:a16="http://schemas.microsoft.com/office/drawing/2014/main" xmlns="" id="{42586C2D-89D1-4B8A-9675-E07D4898191B}"/>
+                <a16:creationId xmlns="" xmlns:a16="http://schemas.microsoft.com/office/drawing/2014/main" id="{42586C2D-89D1-4B8A-9675-E07D4898191B}"/>
               </a:ext>
             </a:extLst>
           </p:cNvPr>
@@ -23666,7 +23656,7 @@
           <p:cNvPr id="11" name="Google Shape;124;p7">
             <a:extLst>
               <a:ext uri="{FF2B5EF4-FFF2-40B4-BE49-F238E27FC236}">
-                <a16:creationId xmlns:a16="http://schemas.microsoft.com/office/drawing/2014/main" xmlns="" id="{42586C2D-89D1-4B8A-9675-E07D4898191B}"/>
+                <a16:creationId xmlns="" xmlns:a16="http://schemas.microsoft.com/office/drawing/2014/main" id="{42586C2D-89D1-4B8A-9675-E07D4898191B}"/>
               </a:ext>
             </a:extLst>
           </p:cNvPr>
@@ -23996,7 +23986,7 @@
           <p:cNvPr id="11" name="Google Shape;124;p7">
             <a:extLst>
               <a:ext uri="{FF2B5EF4-FFF2-40B4-BE49-F238E27FC236}">
-                <a16:creationId xmlns:a16="http://schemas.microsoft.com/office/drawing/2014/main" xmlns="" id="{42586C2D-89D1-4B8A-9675-E07D4898191B}"/>
+                <a16:creationId xmlns="" xmlns:a16="http://schemas.microsoft.com/office/drawing/2014/main" id="{42586C2D-89D1-4B8A-9675-E07D4898191B}"/>
               </a:ext>
             </a:extLst>
           </p:cNvPr>
@@ -24343,7 +24333,7 @@
           <p:cNvPr id="11" name="Google Shape;124;p7">
             <a:extLst>
               <a:ext uri="{FF2B5EF4-FFF2-40B4-BE49-F238E27FC236}">
-                <a16:creationId xmlns:a16="http://schemas.microsoft.com/office/drawing/2014/main" xmlns="" id="{42586C2D-89D1-4B8A-9675-E07D4898191B}"/>
+                <a16:creationId xmlns="" xmlns:a16="http://schemas.microsoft.com/office/drawing/2014/main" id="{42586C2D-89D1-4B8A-9675-E07D4898191B}"/>
               </a:ext>
             </a:extLst>
           </p:cNvPr>
@@ -24925,7 +24915,7 @@
           <p:cNvPr id="11" name="Google Shape;124;p7">
             <a:extLst>
               <a:ext uri="{FF2B5EF4-FFF2-40B4-BE49-F238E27FC236}">
-                <a16:creationId xmlns:a16="http://schemas.microsoft.com/office/drawing/2014/main" xmlns="" id="{42586C2D-89D1-4B8A-9675-E07D4898191B}"/>
+                <a16:creationId xmlns="" xmlns:a16="http://schemas.microsoft.com/office/drawing/2014/main" id="{42586C2D-89D1-4B8A-9675-E07D4898191B}"/>
               </a:ext>
             </a:extLst>
           </p:cNvPr>
@@ -25295,7 +25285,7 @@
           <p:cNvPr id="11" name="Google Shape;124;p7">
             <a:extLst>
               <a:ext uri="{FF2B5EF4-FFF2-40B4-BE49-F238E27FC236}">
-                <a16:creationId xmlns:a16="http://schemas.microsoft.com/office/drawing/2014/main" xmlns="" id="{42586C2D-89D1-4B8A-9675-E07D4898191B}"/>
+                <a16:creationId xmlns="" xmlns:a16="http://schemas.microsoft.com/office/drawing/2014/main" id="{42586C2D-89D1-4B8A-9675-E07D4898191B}"/>
               </a:ext>
             </a:extLst>
           </p:cNvPr>
@@ -25808,7 +25798,7 @@
           <p:cNvPr id="11" name="Google Shape;124;p7">
             <a:extLst>
               <a:ext uri="{FF2B5EF4-FFF2-40B4-BE49-F238E27FC236}">
-                <a16:creationId xmlns:a16="http://schemas.microsoft.com/office/drawing/2014/main" xmlns="" id="{42586C2D-89D1-4B8A-9675-E07D4898191B}"/>
+                <a16:creationId xmlns="" xmlns:a16="http://schemas.microsoft.com/office/drawing/2014/main" id="{42586C2D-89D1-4B8A-9675-E07D4898191B}"/>
               </a:ext>
             </a:extLst>
           </p:cNvPr>
@@ -26377,7 +26367,7 @@
           <p:cNvPr id="11" name="Google Shape;124;p7">
             <a:extLst>
               <a:ext uri="{FF2B5EF4-FFF2-40B4-BE49-F238E27FC236}">
-                <a16:creationId xmlns:a16="http://schemas.microsoft.com/office/drawing/2014/main" xmlns="" id="{42586C2D-89D1-4B8A-9675-E07D4898191B}"/>
+                <a16:creationId xmlns="" xmlns:a16="http://schemas.microsoft.com/office/drawing/2014/main" id="{42586C2D-89D1-4B8A-9675-E07D4898191B}"/>
               </a:ext>
             </a:extLst>
           </p:cNvPr>
@@ -26705,7 +26695,7 @@
           <p:cNvPr id="11" name="Google Shape;124;p7">
             <a:extLst>
               <a:ext uri="{FF2B5EF4-FFF2-40B4-BE49-F238E27FC236}">
-                <a16:creationId xmlns:a16="http://schemas.microsoft.com/office/drawing/2014/main" xmlns="" id="{42586C2D-89D1-4B8A-9675-E07D4898191B}"/>
+                <a16:creationId xmlns="" xmlns:a16="http://schemas.microsoft.com/office/drawing/2014/main" id="{42586C2D-89D1-4B8A-9675-E07D4898191B}"/>
               </a:ext>
             </a:extLst>
           </p:cNvPr>
@@ -27037,7 +27027,7 @@
           <p:cNvPr id="11" name="Google Shape;124;p7">
             <a:extLst>
               <a:ext uri="{FF2B5EF4-FFF2-40B4-BE49-F238E27FC236}">
-                <a16:creationId xmlns:a16="http://schemas.microsoft.com/office/drawing/2014/main" xmlns="" id="{42586C2D-89D1-4B8A-9675-E07D4898191B}"/>
+                <a16:creationId xmlns="" xmlns:a16="http://schemas.microsoft.com/office/drawing/2014/main" id="{42586C2D-89D1-4B8A-9675-E07D4898191B}"/>
               </a:ext>
             </a:extLst>
           </p:cNvPr>
@@ -27524,7 +27514,7 @@
           <p:cNvPr id="18" name="Google Shape;124;p7">
             <a:extLst>
               <a:ext uri="{FF2B5EF4-FFF2-40B4-BE49-F238E27FC236}">
-                <a16:creationId xmlns:a16="http://schemas.microsoft.com/office/drawing/2014/main" xmlns="" id="{42586C2D-89D1-4B8A-9675-E07D4898191B}"/>
+                <a16:creationId xmlns="" xmlns:a16="http://schemas.microsoft.com/office/drawing/2014/main" id="{42586C2D-89D1-4B8A-9675-E07D4898191B}"/>
               </a:ext>
             </a:extLst>
           </p:cNvPr>
@@ -27910,7 +27900,7 @@
           <p:cNvPr id="11" name="Google Shape;124;p7">
             <a:extLst>
               <a:ext uri="{FF2B5EF4-FFF2-40B4-BE49-F238E27FC236}">
-                <a16:creationId xmlns:a16="http://schemas.microsoft.com/office/drawing/2014/main" xmlns="" id="{42586C2D-89D1-4B8A-9675-E07D4898191B}"/>
+                <a16:creationId xmlns="" xmlns:a16="http://schemas.microsoft.com/office/drawing/2014/main" id="{42586C2D-89D1-4B8A-9675-E07D4898191B}"/>
               </a:ext>
             </a:extLst>
           </p:cNvPr>
@@ -28297,7 +28287,7 @@
           <p:cNvPr id="10" name="Google Shape;124;p7">
             <a:extLst>
               <a:ext uri="{FF2B5EF4-FFF2-40B4-BE49-F238E27FC236}">
-                <a16:creationId xmlns:a16="http://schemas.microsoft.com/office/drawing/2014/main" xmlns="" id="{42586C2D-89D1-4B8A-9675-E07D4898191B}"/>
+                <a16:creationId xmlns="" xmlns:a16="http://schemas.microsoft.com/office/drawing/2014/main" id="{42586C2D-89D1-4B8A-9675-E07D4898191B}"/>
               </a:ext>
             </a:extLst>
           </p:cNvPr>
@@ -28568,7 +28558,7 @@
           <p:cNvPr id="11" name="Google Shape;124;p7">
             <a:extLst>
               <a:ext uri="{FF2B5EF4-FFF2-40B4-BE49-F238E27FC236}">
-                <a16:creationId xmlns:a16="http://schemas.microsoft.com/office/drawing/2014/main" xmlns="" id="{42586C2D-89D1-4B8A-9675-E07D4898191B}"/>
+                <a16:creationId xmlns="" xmlns:a16="http://schemas.microsoft.com/office/drawing/2014/main" id="{42586C2D-89D1-4B8A-9675-E07D4898191B}"/>
               </a:ext>
             </a:extLst>
           </p:cNvPr>
@@ -28600,8 +28590,21 @@
                 <a:latin typeface="Encode Sans" panose="020B0604020202020204"/>
                 <a:ea typeface="Calibri" panose="020F0502020204030204" pitchFamily="34" charset="0"/>
               </a:rPr>
-              <a:t>Procedimiento de comunicación entre cliente y servidor SPA</a:t>
-            </a:r>
+              <a:t>Procedimiento de comunicación entre cliente y servidor </a:t>
+            </a:r>
+            <a:r>
+              <a:rPr lang="es-MX" sz="2400" b="1" dirty="0" smtClean="0">
+                <a:effectLst/>
+                <a:latin typeface="Encode Sans" panose="020B0604020202020204"/>
+                <a:ea typeface="Calibri" panose="020F0502020204030204" pitchFamily="34" charset="0"/>
+              </a:rPr>
+              <a:t>SPA Tradicional</a:t>
+            </a:r>
+            <a:endParaRPr lang="es-MX" sz="2400" b="1" dirty="0" smtClean="0">
+              <a:effectLst/>
+              <a:latin typeface="Encode Sans" panose="020B0604020202020204"/>
+              <a:ea typeface="Calibri" panose="020F0502020204030204" pitchFamily="34" charset="0"/>
+            </a:endParaRPr>
           </a:p>
           <a:p>
             <a:endParaRPr lang="es-MX" sz="2400" b="1" dirty="0">
@@ -29045,7 +29048,7 @@
           <p:cNvPr id="11" name="Google Shape;124;p7">
             <a:extLst>
               <a:ext uri="{FF2B5EF4-FFF2-40B4-BE49-F238E27FC236}">
-                <a16:creationId xmlns:a16="http://schemas.microsoft.com/office/drawing/2014/main" xmlns="" id="{42586C2D-89D1-4B8A-9675-E07D4898191B}"/>
+                <a16:creationId xmlns="" xmlns:a16="http://schemas.microsoft.com/office/drawing/2014/main" id="{42586C2D-89D1-4B8A-9675-E07D4898191B}"/>
               </a:ext>
             </a:extLst>
           </p:cNvPr>
@@ -29512,7 +29515,7 @@
           <p:cNvPr id="11" name="Google Shape;124;p7">
             <a:extLst>
               <a:ext uri="{FF2B5EF4-FFF2-40B4-BE49-F238E27FC236}">
-                <a16:creationId xmlns:a16="http://schemas.microsoft.com/office/drawing/2014/main" xmlns="" id="{42586C2D-89D1-4B8A-9675-E07D4898191B}"/>
+                <a16:creationId xmlns="" xmlns:a16="http://schemas.microsoft.com/office/drawing/2014/main" id="{42586C2D-89D1-4B8A-9675-E07D4898191B}"/>
               </a:ext>
             </a:extLst>
           </p:cNvPr>
@@ -29544,8 +29547,21 @@
                 <a:latin typeface="Encode Sans" panose="020B0604020202020204"/>
                 <a:ea typeface="Calibri" panose="020F0502020204030204" pitchFamily="34" charset="0"/>
               </a:rPr>
-              <a:t>Procedimiento de comunicación entre cliente y servidor</a:t>
-            </a:r>
+              <a:t>Procedimiento de comunicación entre cliente y </a:t>
+            </a:r>
+            <a:r>
+              <a:rPr lang="es-MX" sz="2400" b="1" dirty="0" smtClean="0">
+                <a:effectLst/>
+                <a:latin typeface="Encode Sans" panose="020B0604020202020204"/>
+                <a:ea typeface="Calibri" panose="020F0502020204030204" pitchFamily="34" charset="0"/>
+              </a:rPr>
+              <a:t>servidor App Angular</a:t>
+            </a:r>
+            <a:endParaRPr lang="es-MX" sz="2400" b="1" dirty="0" smtClean="0">
+              <a:effectLst/>
+              <a:latin typeface="Encode Sans" panose="020B0604020202020204"/>
+              <a:ea typeface="Calibri" panose="020F0502020204030204" pitchFamily="34" charset="0"/>
+            </a:endParaRPr>
           </a:p>
           <a:p>
             <a:endParaRPr lang="es-MX" sz="2400" b="1" dirty="0">
@@ -30094,7 +30110,7 @@
           <p:cNvPr id="11" name="Google Shape;124;p7">
             <a:extLst>
               <a:ext uri="{FF2B5EF4-FFF2-40B4-BE49-F238E27FC236}">
-                <a16:creationId xmlns:a16="http://schemas.microsoft.com/office/drawing/2014/main" xmlns="" id="{42586C2D-89D1-4B8A-9675-E07D4898191B}"/>
+                <a16:creationId xmlns="" xmlns:a16="http://schemas.microsoft.com/office/drawing/2014/main" id="{42586C2D-89D1-4B8A-9675-E07D4898191B}"/>
               </a:ext>
             </a:extLst>
           </p:cNvPr>
@@ -30848,7 +30864,7 @@
           <p:cNvPr id="11" name="Google Shape;124;p7">
             <a:extLst>
               <a:ext uri="{FF2B5EF4-FFF2-40B4-BE49-F238E27FC236}">
-                <a16:creationId xmlns:a16="http://schemas.microsoft.com/office/drawing/2014/main" xmlns="" id="{42586C2D-89D1-4B8A-9675-E07D4898191B}"/>
+                <a16:creationId xmlns="" xmlns:a16="http://schemas.microsoft.com/office/drawing/2014/main" id="{42586C2D-89D1-4B8A-9675-E07D4898191B}"/>
               </a:ext>
             </a:extLst>
           </p:cNvPr>
@@ -31363,7 +31379,7 @@
           <p:cNvPr id="11" name="Google Shape;124;p7">
             <a:extLst>
               <a:ext uri="{FF2B5EF4-FFF2-40B4-BE49-F238E27FC236}">
-                <a16:creationId xmlns:a16="http://schemas.microsoft.com/office/drawing/2014/main" xmlns="" id="{42586C2D-89D1-4B8A-9675-E07D4898191B}"/>
+                <a16:creationId xmlns="" xmlns:a16="http://schemas.microsoft.com/office/drawing/2014/main" id="{42586C2D-89D1-4B8A-9675-E07D4898191B}"/>
               </a:ext>
             </a:extLst>
           </p:cNvPr>
@@ -31689,7 +31705,7 @@
           <p:cNvPr id="11" name="Google Shape;124;p7">
             <a:extLst>
               <a:ext uri="{FF2B5EF4-FFF2-40B4-BE49-F238E27FC236}">
-                <a16:creationId xmlns:a16="http://schemas.microsoft.com/office/drawing/2014/main" xmlns="" id="{42586C2D-89D1-4B8A-9675-E07D4898191B}"/>
+                <a16:creationId xmlns="" xmlns:a16="http://schemas.microsoft.com/office/drawing/2014/main" id="{42586C2D-89D1-4B8A-9675-E07D4898191B}"/>
               </a:ext>
             </a:extLst>
           </p:cNvPr>
@@ -31994,7 +32010,7 @@
           <p:cNvPr id="11" name="Google Shape;124;p7">
             <a:extLst>
               <a:ext uri="{FF2B5EF4-FFF2-40B4-BE49-F238E27FC236}">
-                <a16:creationId xmlns:a16="http://schemas.microsoft.com/office/drawing/2014/main" xmlns="" id="{42586C2D-89D1-4B8A-9675-E07D4898191B}"/>
+                <a16:creationId xmlns="" xmlns:a16="http://schemas.microsoft.com/office/drawing/2014/main" id="{42586C2D-89D1-4B8A-9675-E07D4898191B}"/>
               </a:ext>
             </a:extLst>
           </p:cNvPr>
@@ -32069,7 +32085,7 @@
       </p:sp>
       <p:pic>
         <p:nvPicPr>
-          <p:cNvPr id="4099" name="Picture 3"/>
+          <p:cNvPr id="1026" name="Picture 2"/>
           <p:cNvPicPr>
             <a:picLocks noChangeAspect="1" noChangeArrowheads="1"/>
           </p:cNvPicPr>
@@ -32090,8 +32106,8 @@
         </p:blipFill>
         <p:spPr bwMode="auto">
           <a:xfrm>
-            <a:off x="3333448" y="2645551"/>
-            <a:ext cx="8546911" cy="3439611"/>
+            <a:off x="3172146" y="2504722"/>
+            <a:ext cx="8841298" cy="3705011"/>
           </a:xfrm>
           <a:prstGeom prst="rect">
             <a:avLst/>
@@ -32326,7 +32342,7 @@
           <p:cNvPr id="18" name="Google Shape;124;p7">
             <a:extLst>
               <a:ext uri="{FF2B5EF4-FFF2-40B4-BE49-F238E27FC236}">
-                <a16:creationId xmlns:a16="http://schemas.microsoft.com/office/drawing/2014/main" xmlns="" id="{42586C2D-89D1-4B8A-9675-E07D4898191B}"/>
+                <a16:creationId xmlns="" xmlns:a16="http://schemas.microsoft.com/office/drawing/2014/main" id="{42586C2D-89D1-4B8A-9675-E07D4898191B}"/>
               </a:ext>
             </a:extLst>
           </p:cNvPr>
@@ -32817,7 +32833,7 @@
           <p:cNvPr id="10" name="Google Shape;124;p7">
             <a:extLst>
               <a:ext uri="{FF2B5EF4-FFF2-40B4-BE49-F238E27FC236}">
-                <a16:creationId xmlns:a16="http://schemas.microsoft.com/office/drawing/2014/main" xmlns="" id="{42586C2D-89D1-4B8A-9675-E07D4898191B}"/>
+                <a16:creationId xmlns="" xmlns:a16="http://schemas.microsoft.com/office/drawing/2014/main" id="{42586C2D-89D1-4B8A-9675-E07D4898191B}"/>
               </a:ext>
             </a:extLst>
           </p:cNvPr>
@@ -33145,7 +33161,7 @@
           <p:cNvPr id="11" name="Google Shape;124;p7">
             <a:extLst>
               <a:ext uri="{FF2B5EF4-FFF2-40B4-BE49-F238E27FC236}">
-                <a16:creationId xmlns:a16="http://schemas.microsoft.com/office/drawing/2014/main" xmlns="" id="{42586C2D-89D1-4B8A-9675-E07D4898191B}"/>
+                <a16:creationId xmlns="" xmlns:a16="http://schemas.microsoft.com/office/drawing/2014/main" id="{42586C2D-89D1-4B8A-9675-E07D4898191B}"/>
               </a:ext>
             </a:extLst>
           </p:cNvPr>
@@ -35923,7 +35939,7 @@
           <p:cNvPr id="10" name="Google Shape;124;p7">
             <a:extLst>
               <a:ext uri="{FF2B5EF4-FFF2-40B4-BE49-F238E27FC236}">
-                <a16:creationId xmlns:a16="http://schemas.microsoft.com/office/drawing/2014/main" xmlns="" id="{42586C2D-89D1-4B8A-9675-E07D4898191B}"/>
+                <a16:creationId xmlns="" xmlns:a16="http://schemas.microsoft.com/office/drawing/2014/main" id="{42586C2D-89D1-4B8A-9675-E07D4898191B}"/>
               </a:ext>
             </a:extLst>
           </p:cNvPr>
@@ -36148,7 +36164,7 @@
           <p:cNvPr id="11" name="Google Shape;124;p7">
             <a:extLst>
               <a:ext uri="{FF2B5EF4-FFF2-40B4-BE49-F238E27FC236}">
-                <a16:creationId xmlns:a16="http://schemas.microsoft.com/office/drawing/2014/main" xmlns="" id="{42586C2D-89D1-4B8A-9675-E07D4898191B}"/>
+                <a16:creationId xmlns="" xmlns:a16="http://schemas.microsoft.com/office/drawing/2014/main" id="{42586C2D-89D1-4B8A-9675-E07D4898191B}"/>
               </a:ext>
             </a:extLst>
           </p:cNvPr>
@@ -36706,7 +36722,7 @@
           <p:cNvPr id="11" name="Google Shape;124;p7">
             <a:extLst>
               <a:ext uri="{FF2B5EF4-FFF2-40B4-BE49-F238E27FC236}">
-                <a16:creationId xmlns:a16="http://schemas.microsoft.com/office/drawing/2014/main" xmlns="" id="{42586C2D-89D1-4B8A-9675-E07D4898191B}"/>
+                <a16:creationId xmlns="" xmlns:a16="http://schemas.microsoft.com/office/drawing/2014/main" id="{42586C2D-89D1-4B8A-9675-E07D4898191B}"/>
               </a:ext>
             </a:extLst>
           </p:cNvPr>
@@ -37167,7 +37183,7 @@
           <p:cNvPr id="11" name="Google Shape;124;p7">
             <a:extLst>
               <a:ext uri="{FF2B5EF4-FFF2-40B4-BE49-F238E27FC236}">
-                <a16:creationId xmlns:a16="http://schemas.microsoft.com/office/drawing/2014/main" xmlns="" id="{42586C2D-89D1-4B8A-9675-E07D4898191B}"/>
+                <a16:creationId xmlns="" xmlns:a16="http://schemas.microsoft.com/office/drawing/2014/main" id="{42586C2D-89D1-4B8A-9675-E07D4898191B}"/>
               </a:ext>
             </a:extLst>
           </p:cNvPr>
@@ -37658,7 +37674,7 @@
           <p:cNvPr id="11" name="Google Shape;124;p7">
             <a:extLst>
               <a:ext uri="{FF2B5EF4-FFF2-40B4-BE49-F238E27FC236}">
-                <a16:creationId xmlns:a16="http://schemas.microsoft.com/office/drawing/2014/main" xmlns="" id="{42586C2D-89D1-4B8A-9675-E07D4898191B}"/>
+                <a16:creationId xmlns="" xmlns:a16="http://schemas.microsoft.com/office/drawing/2014/main" id="{42586C2D-89D1-4B8A-9675-E07D4898191B}"/>
               </a:ext>
             </a:extLst>
           </p:cNvPr>
@@ -38054,7 +38070,7 @@
           <p:cNvPr id="18" name="Google Shape;124;p7">
             <a:extLst>
               <a:ext uri="{FF2B5EF4-FFF2-40B4-BE49-F238E27FC236}">
-                <a16:creationId xmlns:a16="http://schemas.microsoft.com/office/drawing/2014/main" xmlns="" id="{42586C2D-89D1-4B8A-9675-E07D4898191B}"/>
+                <a16:creationId xmlns="" xmlns:a16="http://schemas.microsoft.com/office/drawing/2014/main" id="{42586C2D-89D1-4B8A-9675-E07D4898191B}"/>
               </a:ext>
             </a:extLst>
           </p:cNvPr>
@@ -38440,7 +38456,7 @@
           <p:cNvPr id="11" name="Google Shape;124;p7">
             <a:extLst>
               <a:ext uri="{FF2B5EF4-FFF2-40B4-BE49-F238E27FC236}">
-                <a16:creationId xmlns:a16="http://schemas.microsoft.com/office/drawing/2014/main" xmlns="" id="{42586C2D-89D1-4B8A-9675-E07D4898191B}"/>
+                <a16:creationId xmlns="" xmlns:a16="http://schemas.microsoft.com/office/drawing/2014/main" id="{42586C2D-89D1-4B8A-9675-E07D4898191B}"/>
               </a:ext>
             </a:extLst>
           </p:cNvPr>
@@ -38849,7 +38865,7 @@
           <p:cNvPr id="10" name="Google Shape;124;p7">
             <a:extLst>
               <a:ext uri="{FF2B5EF4-FFF2-40B4-BE49-F238E27FC236}">
-                <a16:creationId xmlns:a16="http://schemas.microsoft.com/office/drawing/2014/main" xmlns="" id="{42586C2D-89D1-4B8A-9675-E07D4898191B}"/>
+                <a16:creationId xmlns="" xmlns:a16="http://schemas.microsoft.com/office/drawing/2014/main" id="{42586C2D-89D1-4B8A-9675-E07D4898191B}"/>
               </a:ext>
             </a:extLst>
           </p:cNvPr>
@@ -39062,7 +39078,7 @@
           <p:cNvPr id="11" name="Google Shape;124;p7">
             <a:extLst>
               <a:ext uri="{FF2B5EF4-FFF2-40B4-BE49-F238E27FC236}">
-                <a16:creationId xmlns:a16="http://schemas.microsoft.com/office/drawing/2014/main" xmlns="" id="{42586C2D-89D1-4B8A-9675-E07D4898191B}"/>
+                <a16:creationId xmlns="" xmlns:a16="http://schemas.microsoft.com/office/drawing/2014/main" id="{42586C2D-89D1-4B8A-9675-E07D4898191B}"/>
               </a:ext>
             </a:extLst>
           </p:cNvPr>
@@ -39474,7 +39490,7 @@
           <p:cNvPr id="11" name="Google Shape;124;p7">
             <a:extLst>
               <a:ext uri="{FF2B5EF4-FFF2-40B4-BE49-F238E27FC236}">
-                <a16:creationId xmlns:a16="http://schemas.microsoft.com/office/drawing/2014/main" xmlns="" id="{42586C2D-89D1-4B8A-9675-E07D4898191B}"/>
+                <a16:creationId xmlns="" xmlns:a16="http://schemas.microsoft.com/office/drawing/2014/main" id="{42586C2D-89D1-4B8A-9675-E07D4898191B}"/>
               </a:ext>
             </a:extLst>
           </p:cNvPr>
@@ -39995,7 +40011,7 @@
           <p:cNvPr id="10" name="Google Shape;124;p7">
             <a:extLst>
               <a:ext uri="{FF2B5EF4-FFF2-40B4-BE49-F238E27FC236}">
-                <a16:creationId xmlns:a16="http://schemas.microsoft.com/office/drawing/2014/main" xmlns="" id="{42586C2D-89D1-4B8A-9675-E07D4898191B}"/>
+                <a16:creationId xmlns="" xmlns:a16="http://schemas.microsoft.com/office/drawing/2014/main" id="{42586C2D-89D1-4B8A-9675-E07D4898191B}"/>
               </a:ext>
             </a:extLst>
           </p:cNvPr>
@@ -40232,7 +40248,7 @@
           <p:cNvPr id="11" name="Google Shape;124;p7">
             <a:extLst>
               <a:ext uri="{FF2B5EF4-FFF2-40B4-BE49-F238E27FC236}">
-                <a16:creationId xmlns:a16="http://schemas.microsoft.com/office/drawing/2014/main" xmlns="" id="{42586C2D-89D1-4B8A-9675-E07D4898191B}"/>
+                <a16:creationId xmlns="" xmlns:a16="http://schemas.microsoft.com/office/drawing/2014/main" id="{42586C2D-89D1-4B8A-9675-E07D4898191B}"/>
               </a:ext>
             </a:extLst>
           </p:cNvPr>
@@ -40639,7 +40655,7 @@
           <p:cNvPr id="11" name="Google Shape;124;p7">
             <a:extLst>
               <a:ext uri="{FF2B5EF4-FFF2-40B4-BE49-F238E27FC236}">
-                <a16:creationId xmlns:a16="http://schemas.microsoft.com/office/drawing/2014/main" xmlns="" id="{42586C2D-89D1-4B8A-9675-E07D4898191B}"/>
+                <a16:creationId xmlns="" xmlns:a16="http://schemas.microsoft.com/office/drawing/2014/main" id="{42586C2D-89D1-4B8A-9675-E07D4898191B}"/>
               </a:ext>
             </a:extLst>
           </p:cNvPr>
@@ -41011,7 +41027,7 @@
           <p:cNvPr id="11" name="Google Shape;124;p7">
             <a:extLst>
               <a:ext uri="{FF2B5EF4-FFF2-40B4-BE49-F238E27FC236}">
-                <a16:creationId xmlns:a16="http://schemas.microsoft.com/office/drawing/2014/main" xmlns="" id="{42586C2D-89D1-4B8A-9675-E07D4898191B}"/>
+                <a16:creationId xmlns="" xmlns:a16="http://schemas.microsoft.com/office/drawing/2014/main" id="{42586C2D-89D1-4B8A-9675-E07D4898191B}"/>
               </a:ext>
             </a:extLst>
           </p:cNvPr>
@@ -41442,7 +41458,7 @@
           <p:cNvPr id="10" name="Google Shape;124;p7">
             <a:extLst>
               <a:ext uri="{FF2B5EF4-FFF2-40B4-BE49-F238E27FC236}">
-                <a16:creationId xmlns:a16="http://schemas.microsoft.com/office/drawing/2014/main" xmlns="" id="{42586C2D-89D1-4B8A-9675-E07D4898191B}"/>
+                <a16:creationId xmlns="" xmlns:a16="http://schemas.microsoft.com/office/drawing/2014/main" id="{42586C2D-89D1-4B8A-9675-E07D4898191B}"/>
               </a:ext>
             </a:extLst>
           </p:cNvPr>
@@ -41655,7 +41671,7 @@
           <p:cNvPr id="11" name="Google Shape;124;p7">
             <a:extLst>
               <a:ext uri="{FF2B5EF4-FFF2-40B4-BE49-F238E27FC236}">
-                <a16:creationId xmlns:a16="http://schemas.microsoft.com/office/drawing/2014/main" xmlns="" id="{42586C2D-89D1-4B8A-9675-E07D4898191B}"/>
+                <a16:creationId xmlns="" xmlns:a16="http://schemas.microsoft.com/office/drawing/2014/main" id="{42586C2D-89D1-4B8A-9675-E07D4898191B}"/>
               </a:ext>
             </a:extLst>
           </p:cNvPr>
@@ -41936,7 +41952,7 @@
           <p:cNvPr id="10" name="Google Shape;124;p7">
             <a:extLst>
               <a:ext uri="{FF2B5EF4-FFF2-40B4-BE49-F238E27FC236}">
-                <a16:creationId xmlns:a16="http://schemas.microsoft.com/office/drawing/2014/main" xmlns="" id="{42586C2D-89D1-4B8A-9675-E07D4898191B}"/>
+                <a16:creationId xmlns="" xmlns:a16="http://schemas.microsoft.com/office/drawing/2014/main" id="{42586C2D-89D1-4B8A-9675-E07D4898191B}"/>
               </a:ext>
             </a:extLst>
           </p:cNvPr>
@@ -42214,7 +42230,7 @@
           <p:cNvPr id="11" name="Google Shape;124;p7">
             <a:extLst>
               <a:ext uri="{FF2B5EF4-FFF2-40B4-BE49-F238E27FC236}">
-                <a16:creationId xmlns:a16="http://schemas.microsoft.com/office/drawing/2014/main" xmlns="" id="{42586C2D-89D1-4B8A-9675-E07D4898191B}"/>
+                <a16:creationId xmlns="" xmlns:a16="http://schemas.microsoft.com/office/drawing/2014/main" id="{42586C2D-89D1-4B8A-9675-E07D4898191B}"/>
               </a:ext>
             </a:extLst>
           </p:cNvPr>
@@ -42537,7 +42553,7 @@
           <p:cNvPr id="11" name="Google Shape;124;p7">
             <a:extLst>
               <a:ext uri="{FF2B5EF4-FFF2-40B4-BE49-F238E27FC236}">
-                <a16:creationId xmlns:a16="http://schemas.microsoft.com/office/drawing/2014/main" xmlns="" id="{42586C2D-89D1-4B8A-9675-E07D4898191B}"/>
+                <a16:creationId xmlns="" xmlns:a16="http://schemas.microsoft.com/office/drawing/2014/main" id="{42586C2D-89D1-4B8A-9675-E07D4898191B}"/>
               </a:ext>
             </a:extLst>
           </p:cNvPr>
@@ -43080,7 +43096,7 @@
           <p:cNvPr id="11" name="Google Shape;124;p7">
             <a:extLst>
               <a:ext uri="{FF2B5EF4-FFF2-40B4-BE49-F238E27FC236}">
-                <a16:creationId xmlns:a16="http://schemas.microsoft.com/office/drawing/2014/main" xmlns="" id="{42586C2D-89D1-4B8A-9675-E07D4898191B}"/>
+                <a16:creationId xmlns="" xmlns:a16="http://schemas.microsoft.com/office/drawing/2014/main" id="{42586C2D-89D1-4B8A-9675-E07D4898191B}"/>
               </a:ext>
             </a:extLst>
           </p:cNvPr>
@@ -43794,7 +43810,7 @@
           <p:cNvPr id="11" name="Google Shape;124;p7">
             <a:extLst>
               <a:ext uri="{FF2B5EF4-FFF2-40B4-BE49-F238E27FC236}">
-                <a16:creationId xmlns:a16="http://schemas.microsoft.com/office/drawing/2014/main" xmlns="" id="{42586C2D-89D1-4B8A-9675-E07D4898191B}"/>
+                <a16:creationId xmlns="" xmlns:a16="http://schemas.microsoft.com/office/drawing/2014/main" id="{42586C2D-89D1-4B8A-9675-E07D4898191B}"/>
               </a:ext>
             </a:extLst>
           </p:cNvPr>
@@ -44250,7 +44266,7 @@
           <p:cNvPr id="11" name="Google Shape;124;p7">
             <a:extLst>
               <a:ext uri="{FF2B5EF4-FFF2-40B4-BE49-F238E27FC236}">
-                <a16:creationId xmlns:a16="http://schemas.microsoft.com/office/drawing/2014/main" xmlns="" id="{42586C2D-89D1-4B8A-9675-E07D4898191B}"/>
+                <a16:creationId xmlns="" xmlns:a16="http://schemas.microsoft.com/office/drawing/2014/main" id="{42586C2D-89D1-4B8A-9675-E07D4898191B}"/>
               </a:ext>
             </a:extLst>
           </p:cNvPr>
@@ -44706,7 +44722,7 @@
           <p:cNvPr id="11" name="Google Shape;124;p7">
             <a:extLst>
               <a:ext uri="{FF2B5EF4-FFF2-40B4-BE49-F238E27FC236}">
-                <a16:creationId xmlns:a16="http://schemas.microsoft.com/office/drawing/2014/main" xmlns="" id="{42586C2D-89D1-4B8A-9675-E07D4898191B}"/>
+                <a16:creationId xmlns="" xmlns:a16="http://schemas.microsoft.com/office/drawing/2014/main" id="{42586C2D-89D1-4B8A-9675-E07D4898191B}"/>
               </a:ext>
             </a:extLst>
           </p:cNvPr>
@@ -45221,7 +45237,7 @@
           <p:cNvPr id="11" name="Google Shape;124;p7">
             <a:extLst>
               <a:ext uri="{FF2B5EF4-FFF2-40B4-BE49-F238E27FC236}">
-                <a16:creationId xmlns:a16="http://schemas.microsoft.com/office/drawing/2014/main" xmlns="" id="{42586C2D-89D1-4B8A-9675-E07D4898191B}"/>
+                <a16:creationId xmlns="" xmlns:a16="http://schemas.microsoft.com/office/drawing/2014/main" id="{42586C2D-89D1-4B8A-9675-E07D4898191B}"/>
               </a:ext>
             </a:extLst>
           </p:cNvPr>
@@ -45627,7 +45643,7 @@
           <p:cNvPr id="11" name="Google Shape;124;p7">
             <a:extLst>
               <a:ext uri="{FF2B5EF4-FFF2-40B4-BE49-F238E27FC236}">
-                <a16:creationId xmlns:a16="http://schemas.microsoft.com/office/drawing/2014/main" xmlns="" id="{42586C2D-89D1-4B8A-9675-E07D4898191B}"/>
+                <a16:creationId xmlns="" xmlns:a16="http://schemas.microsoft.com/office/drawing/2014/main" id="{42586C2D-89D1-4B8A-9675-E07D4898191B}"/>
               </a:ext>
             </a:extLst>
           </p:cNvPr>
@@ -46103,7 +46119,7 @@
           <p:cNvPr id="11" name="Google Shape;124;p7">
             <a:extLst>
               <a:ext uri="{FF2B5EF4-FFF2-40B4-BE49-F238E27FC236}">
-                <a16:creationId xmlns:a16="http://schemas.microsoft.com/office/drawing/2014/main" xmlns="" id="{42586C2D-89D1-4B8A-9675-E07D4898191B}"/>
+                <a16:creationId xmlns="" xmlns:a16="http://schemas.microsoft.com/office/drawing/2014/main" id="{42586C2D-89D1-4B8A-9675-E07D4898191B}"/>
               </a:ext>
             </a:extLst>
           </p:cNvPr>
@@ -46566,7 +46582,7 @@
           <p:cNvPr id="11" name="Google Shape;124;p7">
             <a:extLst>
               <a:ext uri="{FF2B5EF4-FFF2-40B4-BE49-F238E27FC236}">
-                <a16:creationId xmlns:a16="http://schemas.microsoft.com/office/drawing/2014/main" xmlns="" id="{42586C2D-89D1-4B8A-9675-E07D4898191B}"/>
+                <a16:creationId xmlns="" xmlns:a16="http://schemas.microsoft.com/office/drawing/2014/main" id="{42586C2D-89D1-4B8A-9675-E07D4898191B}"/>
               </a:ext>
             </a:extLst>
           </p:cNvPr>
@@ -47028,7 +47044,7 @@
           <p:cNvPr id="7" name="Google Shape;124;p7">
             <a:extLst>
               <a:ext uri="{FF2B5EF4-FFF2-40B4-BE49-F238E27FC236}">
-                <a16:creationId xmlns:a16="http://schemas.microsoft.com/office/drawing/2014/main" xmlns="" id="{42586C2D-89D1-4B8A-9675-E07D4898191B}"/>
+                <a16:creationId xmlns="" xmlns:a16="http://schemas.microsoft.com/office/drawing/2014/main" id="{42586C2D-89D1-4B8A-9675-E07D4898191B}"/>
               </a:ext>
             </a:extLst>
           </p:cNvPr>
@@ -47377,7 +47393,7 @@
           <p:cNvPr id="11" name="Google Shape;124;p7">
             <a:extLst>
               <a:ext uri="{FF2B5EF4-FFF2-40B4-BE49-F238E27FC236}">
-                <a16:creationId xmlns:a16="http://schemas.microsoft.com/office/drawing/2014/main" xmlns="" id="{42586C2D-89D1-4B8A-9675-E07D4898191B}"/>
+                <a16:creationId xmlns="" xmlns:a16="http://schemas.microsoft.com/office/drawing/2014/main" id="{42586C2D-89D1-4B8A-9675-E07D4898191B}"/>
               </a:ext>
             </a:extLst>
           </p:cNvPr>
@@ -47813,7 +47829,7 @@
           <p:cNvPr id="11" name="Google Shape;124;p7">
             <a:extLst>
               <a:ext uri="{FF2B5EF4-FFF2-40B4-BE49-F238E27FC236}">
-                <a16:creationId xmlns:a16="http://schemas.microsoft.com/office/drawing/2014/main" xmlns="" id="{42586C2D-89D1-4B8A-9675-E07D4898191B}"/>
+                <a16:creationId xmlns="" xmlns:a16="http://schemas.microsoft.com/office/drawing/2014/main" id="{42586C2D-89D1-4B8A-9675-E07D4898191B}"/>
               </a:ext>
             </a:extLst>
           </p:cNvPr>
@@ -48325,7 +48341,7 @@
           <p:cNvPr id="10" name="Google Shape;124;p7">
             <a:extLst>
               <a:ext uri="{FF2B5EF4-FFF2-40B4-BE49-F238E27FC236}">
-                <a16:creationId xmlns:a16="http://schemas.microsoft.com/office/drawing/2014/main" xmlns="" id="{42586C2D-89D1-4B8A-9675-E07D4898191B}"/>
+                <a16:creationId xmlns="" xmlns:a16="http://schemas.microsoft.com/office/drawing/2014/main" id="{42586C2D-89D1-4B8A-9675-E07D4898191B}"/>
               </a:ext>
             </a:extLst>
           </p:cNvPr>
@@ -48562,7 +48578,7 @@
           <p:cNvPr id="11" name="Google Shape;124;p7">
             <a:extLst>
               <a:ext uri="{FF2B5EF4-FFF2-40B4-BE49-F238E27FC236}">
-                <a16:creationId xmlns:a16="http://schemas.microsoft.com/office/drawing/2014/main" xmlns="" id="{42586C2D-89D1-4B8A-9675-E07D4898191B}"/>
+                <a16:creationId xmlns="" xmlns:a16="http://schemas.microsoft.com/office/drawing/2014/main" id="{42586C2D-89D1-4B8A-9675-E07D4898191B}"/>
               </a:ext>
             </a:extLst>
           </p:cNvPr>
@@ -48965,7 +48981,7 @@
           <p:cNvPr id="11" name="Google Shape;124;p7">
             <a:extLst>
               <a:ext uri="{FF2B5EF4-FFF2-40B4-BE49-F238E27FC236}">
-                <a16:creationId xmlns:a16="http://schemas.microsoft.com/office/drawing/2014/main" xmlns="" id="{42586C2D-89D1-4B8A-9675-E07D4898191B}"/>
+                <a16:creationId xmlns="" xmlns:a16="http://schemas.microsoft.com/office/drawing/2014/main" id="{42586C2D-89D1-4B8A-9675-E07D4898191B}"/>
               </a:ext>
             </a:extLst>
           </p:cNvPr>
@@ -49384,7 +49400,7 @@
           <p:cNvPr id="11" name="Google Shape;124;p7">
             <a:extLst>
               <a:ext uri="{FF2B5EF4-FFF2-40B4-BE49-F238E27FC236}">
-                <a16:creationId xmlns:a16="http://schemas.microsoft.com/office/drawing/2014/main" xmlns="" id="{42586C2D-89D1-4B8A-9675-E07D4898191B}"/>
+                <a16:creationId xmlns="" xmlns:a16="http://schemas.microsoft.com/office/drawing/2014/main" id="{42586C2D-89D1-4B8A-9675-E07D4898191B}"/>
               </a:ext>
             </a:extLst>
           </p:cNvPr>
@@ -50052,7 +50068,7 @@
           <p:cNvPr id="11" name="Google Shape;124;p7">
             <a:extLst>
               <a:ext uri="{FF2B5EF4-FFF2-40B4-BE49-F238E27FC236}">
-                <a16:creationId xmlns:a16="http://schemas.microsoft.com/office/drawing/2014/main" xmlns="" id="{42586C2D-89D1-4B8A-9675-E07D4898191B}"/>
+                <a16:creationId xmlns="" xmlns:a16="http://schemas.microsoft.com/office/drawing/2014/main" id="{42586C2D-89D1-4B8A-9675-E07D4898191B}"/>
               </a:ext>
             </a:extLst>
           </p:cNvPr>
@@ -50690,7 +50706,7 @@
           <p:cNvPr id="10" name="Google Shape;124;p7">
             <a:extLst>
               <a:ext uri="{FF2B5EF4-FFF2-40B4-BE49-F238E27FC236}">
-                <a16:creationId xmlns:a16="http://schemas.microsoft.com/office/drawing/2014/main" xmlns="" id="{42586C2D-89D1-4B8A-9675-E07D4898191B}"/>
+                <a16:creationId xmlns="" xmlns:a16="http://schemas.microsoft.com/office/drawing/2014/main" id="{42586C2D-89D1-4B8A-9675-E07D4898191B}"/>
               </a:ext>
             </a:extLst>
           </p:cNvPr>
@@ -51055,7 +51071,7 @@
           <p:cNvPr id="11" name="Google Shape;124;p7">
             <a:extLst>
               <a:ext uri="{FF2B5EF4-FFF2-40B4-BE49-F238E27FC236}">
-                <a16:creationId xmlns:a16="http://schemas.microsoft.com/office/drawing/2014/main" xmlns="" id="{42586C2D-89D1-4B8A-9675-E07D4898191B}"/>
+                <a16:creationId xmlns="" xmlns:a16="http://schemas.microsoft.com/office/drawing/2014/main" id="{42586C2D-89D1-4B8A-9675-E07D4898191B}"/>
               </a:ext>
             </a:extLst>
           </p:cNvPr>
@@ -51475,7 +51491,7 @@
           <p:cNvPr id="11" name="Google Shape;124;p7">
             <a:extLst>
               <a:ext uri="{FF2B5EF4-FFF2-40B4-BE49-F238E27FC236}">
-                <a16:creationId xmlns:a16="http://schemas.microsoft.com/office/drawing/2014/main" xmlns="" id="{42586C2D-89D1-4B8A-9675-E07D4898191B}"/>
+                <a16:creationId xmlns="" xmlns:a16="http://schemas.microsoft.com/office/drawing/2014/main" id="{42586C2D-89D1-4B8A-9675-E07D4898191B}"/>
               </a:ext>
             </a:extLst>
           </p:cNvPr>
@@ -51898,7 +51914,7 @@
           <p:cNvPr id="18" name="Google Shape;124;p7">
             <a:extLst>
               <a:ext uri="{FF2B5EF4-FFF2-40B4-BE49-F238E27FC236}">
-                <a16:creationId xmlns:a16="http://schemas.microsoft.com/office/drawing/2014/main" xmlns="" id="{42586C2D-89D1-4B8A-9675-E07D4898191B}"/>
+                <a16:creationId xmlns="" xmlns:a16="http://schemas.microsoft.com/office/drawing/2014/main" id="{42586C2D-89D1-4B8A-9675-E07D4898191B}"/>
               </a:ext>
             </a:extLst>
           </p:cNvPr>
@@ -52097,7 +52113,7 @@
           <p:cNvPr id="11" name="Google Shape;124;p7">
             <a:extLst>
               <a:ext uri="{FF2B5EF4-FFF2-40B4-BE49-F238E27FC236}">
-                <a16:creationId xmlns:a16="http://schemas.microsoft.com/office/drawing/2014/main" xmlns="" id="{42586C2D-89D1-4B8A-9675-E07D4898191B}"/>
+                <a16:creationId xmlns="" xmlns:a16="http://schemas.microsoft.com/office/drawing/2014/main" id="{42586C2D-89D1-4B8A-9675-E07D4898191B}"/>
               </a:ext>
             </a:extLst>
           </p:cNvPr>
@@ -52606,7 +52622,7 @@
           <p:cNvPr id="11" name="Google Shape;124;p7">
             <a:extLst>
               <a:ext uri="{FF2B5EF4-FFF2-40B4-BE49-F238E27FC236}">
-                <a16:creationId xmlns:a16="http://schemas.microsoft.com/office/drawing/2014/main" xmlns="" id="{42586C2D-89D1-4B8A-9675-E07D4898191B}"/>
+                <a16:creationId xmlns="" xmlns:a16="http://schemas.microsoft.com/office/drawing/2014/main" id="{42586C2D-89D1-4B8A-9675-E07D4898191B}"/>
               </a:ext>
             </a:extLst>
           </p:cNvPr>
@@ -53145,7 +53161,7 @@
           <p:cNvPr id="11" name="Google Shape;124;p7">
             <a:extLst>
               <a:ext uri="{FF2B5EF4-FFF2-40B4-BE49-F238E27FC236}">
-                <a16:creationId xmlns:a16="http://schemas.microsoft.com/office/drawing/2014/main" xmlns="" id="{42586C2D-89D1-4B8A-9675-E07D4898191B}"/>
+                <a16:creationId xmlns="" xmlns:a16="http://schemas.microsoft.com/office/drawing/2014/main" id="{42586C2D-89D1-4B8A-9675-E07D4898191B}"/>
               </a:ext>
             </a:extLst>
           </p:cNvPr>
@@ -53673,7 +53689,7 @@
           <p:cNvPr id="11" name="Google Shape;124;p7">
             <a:extLst>
               <a:ext uri="{FF2B5EF4-FFF2-40B4-BE49-F238E27FC236}">
-                <a16:creationId xmlns:a16="http://schemas.microsoft.com/office/drawing/2014/main" xmlns="" id="{42586C2D-89D1-4B8A-9675-E07D4898191B}"/>
+                <a16:creationId xmlns="" xmlns:a16="http://schemas.microsoft.com/office/drawing/2014/main" id="{42586C2D-89D1-4B8A-9675-E07D4898191B}"/>
               </a:ext>
             </a:extLst>
           </p:cNvPr>
@@ -53941,7 +53957,7 @@
           <p:cNvPr id="10" name="Google Shape;124;p7">
             <a:extLst>
               <a:ext uri="{FF2B5EF4-FFF2-40B4-BE49-F238E27FC236}">
-                <a16:creationId xmlns:a16="http://schemas.microsoft.com/office/drawing/2014/main" xmlns="" id="{42586C2D-89D1-4B8A-9675-E07D4898191B}"/>
+                <a16:creationId xmlns="" xmlns:a16="http://schemas.microsoft.com/office/drawing/2014/main" id="{42586C2D-89D1-4B8A-9675-E07D4898191B}"/>
               </a:ext>
             </a:extLst>
           </p:cNvPr>
@@ -54166,7 +54182,7 @@
           <p:cNvPr id="11" name="Google Shape;124;p7">
             <a:extLst>
               <a:ext uri="{FF2B5EF4-FFF2-40B4-BE49-F238E27FC236}">
-                <a16:creationId xmlns:a16="http://schemas.microsoft.com/office/drawing/2014/main" xmlns="" id="{42586C2D-89D1-4B8A-9675-E07D4898191B}"/>
+                <a16:creationId xmlns="" xmlns:a16="http://schemas.microsoft.com/office/drawing/2014/main" id="{42586C2D-89D1-4B8A-9675-E07D4898191B}"/>
               </a:ext>
             </a:extLst>
           </p:cNvPr>
@@ -54228,11 +54244,7 @@
             </a:r>
             <a:r>
               <a:rPr lang="es-AR" dirty="0" smtClean="0"/>
-              <a:t> bidireccional nos sirve para poder tener un flujo de </a:t>
-            </a:r>
-            <a:r>
-              <a:rPr lang="es-AR" dirty="0" smtClean="0"/>
-              <a:t>información tanto desde el </a:t>
+              <a:t> bidireccional nos sirve para poder tener un flujo de información tanto desde el </a:t>
             </a:r>
             <a:r>
               <a:rPr lang="es-AR" dirty="0" err="1"/>
@@ -54660,7 +54672,7 @@
           <p:cNvPr id="11" name="Google Shape;124;p7">
             <a:extLst>
               <a:ext uri="{FF2B5EF4-FFF2-40B4-BE49-F238E27FC236}">
-                <a16:creationId xmlns:a16="http://schemas.microsoft.com/office/drawing/2014/main" xmlns="" id="{42586C2D-89D1-4B8A-9675-E07D4898191B}"/>
+                <a16:creationId xmlns="" xmlns:a16="http://schemas.microsoft.com/office/drawing/2014/main" id="{42586C2D-89D1-4B8A-9675-E07D4898191B}"/>
               </a:ext>
             </a:extLst>
           </p:cNvPr>
@@ -54722,11 +54734,7 @@
             </a:r>
             <a:r>
               <a:rPr lang="es-AR" dirty="0" smtClean="0"/>
-              <a:t> declamáramos una </a:t>
-            </a:r>
-            <a:r>
-              <a:rPr lang="es-AR" dirty="0" smtClean="0"/>
-              <a:t>atributo con alcance global y le definimos un valor inicial:</a:t>
+              <a:t> declamáramos una atributo con alcance global y le definimos un valor inicial:</a:t>
             </a:r>
           </a:p>
           <a:p>
@@ -55201,7 +55209,7 @@
           <p:cNvPr id="11" name="Google Shape;124;p7">
             <a:extLst>
               <a:ext uri="{FF2B5EF4-FFF2-40B4-BE49-F238E27FC236}">
-                <a16:creationId xmlns:a16="http://schemas.microsoft.com/office/drawing/2014/main" xmlns="" id="{42586C2D-89D1-4B8A-9675-E07D4898191B}"/>
+                <a16:creationId xmlns="" xmlns:a16="http://schemas.microsoft.com/office/drawing/2014/main" id="{42586C2D-89D1-4B8A-9675-E07D4898191B}"/>
               </a:ext>
             </a:extLst>
           </p:cNvPr>
@@ -55271,11 +55279,7 @@
             </a:r>
             <a:r>
               <a:rPr lang="es-AR" dirty="0" smtClean="0"/>
-              <a:t> queda de la siguiente manera</a:t>
-            </a:r>
-            <a:r>
-              <a:rPr lang="es-AR" dirty="0" smtClean="0"/>
-              <a:t>:</a:t>
+              <a:t> queda de la siguiente manera:</a:t>
             </a:r>
           </a:p>
           <a:p>
@@ -55588,7 +55592,7 @@
           <p:cNvPr id="11" name="Google Shape;124;p7">
             <a:extLst>
               <a:ext uri="{FF2B5EF4-FFF2-40B4-BE49-F238E27FC236}">
-                <a16:creationId xmlns:a16="http://schemas.microsoft.com/office/drawing/2014/main" xmlns="" id="{42586C2D-89D1-4B8A-9675-E07D4898191B}"/>
+                <a16:creationId xmlns="" xmlns:a16="http://schemas.microsoft.com/office/drawing/2014/main" id="{42586C2D-89D1-4B8A-9675-E07D4898191B}"/>
               </a:ext>
             </a:extLst>
           </p:cNvPr>
@@ -55911,7 +55915,7 @@
           <p:cNvPr id="11" name="Google Shape;124;p7">
             <a:extLst>
               <a:ext uri="{FF2B5EF4-FFF2-40B4-BE49-F238E27FC236}">
-                <a16:creationId xmlns:a16="http://schemas.microsoft.com/office/drawing/2014/main" xmlns="" id="{42586C2D-89D1-4B8A-9675-E07D4898191B}"/>
+                <a16:creationId xmlns="" xmlns:a16="http://schemas.microsoft.com/office/drawing/2014/main" id="{42586C2D-89D1-4B8A-9675-E07D4898191B}"/>
               </a:ext>
             </a:extLst>
           </p:cNvPr>
@@ -56318,7 +56322,7 @@
           <p:cNvPr id="18" name="Google Shape;124;p7">
             <a:extLst>
               <a:ext uri="{FF2B5EF4-FFF2-40B4-BE49-F238E27FC236}">
-                <a16:creationId xmlns:a16="http://schemas.microsoft.com/office/drawing/2014/main" xmlns="" id="{42586C2D-89D1-4B8A-9675-E07D4898191B}"/>
+                <a16:creationId xmlns="" xmlns:a16="http://schemas.microsoft.com/office/drawing/2014/main" id="{42586C2D-89D1-4B8A-9675-E07D4898191B}"/>
               </a:ext>
             </a:extLst>
           </p:cNvPr>
@@ -56630,7 +56634,7 @@
           <p:cNvPr id="11" name="Google Shape;124;p7">
             <a:extLst>
               <a:ext uri="{FF2B5EF4-FFF2-40B4-BE49-F238E27FC236}">
-                <a16:creationId xmlns:a16="http://schemas.microsoft.com/office/drawing/2014/main" xmlns="" id="{42586C2D-89D1-4B8A-9675-E07D4898191B}"/>
+                <a16:creationId xmlns="" xmlns:a16="http://schemas.microsoft.com/office/drawing/2014/main" id="{42586C2D-89D1-4B8A-9675-E07D4898191B}"/>
               </a:ext>
             </a:extLst>
           </p:cNvPr>
@@ -56997,7 +57001,7 @@
           <p:cNvPr id="11" name="Google Shape;124;p7">
             <a:extLst>
               <a:ext uri="{FF2B5EF4-FFF2-40B4-BE49-F238E27FC236}">
-                <a16:creationId xmlns:a16="http://schemas.microsoft.com/office/drawing/2014/main" xmlns="" id="{42586C2D-89D1-4B8A-9675-E07D4898191B}"/>
+                <a16:creationId xmlns="" xmlns:a16="http://schemas.microsoft.com/office/drawing/2014/main" id="{42586C2D-89D1-4B8A-9675-E07D4898191B}"/>
               </a:ext>
             </a:extLst>
           </p:cNvPr>
@@ -57385,7 +57389,7 @@
           <p:cNvPr id="11" name="Google Shape;124;p7">
             <a:extLst>
               <a:ext uri="{FF2B5EF4-FFF2-40B4-BE49-F238E27FC236}">
-                <a16:creationId xmlns:a16="http://schemas.microsoft.com/office/drawing/2014/main" xmlns="" id="{42586C2D-89D1-4B8A-9675-E07D4898191B}"/>
+                <a16:creationId xmlns="" xmlns:a16="http://schemas.microsoft.com/office/drawing/2014/main" id="{42586C2D-89D1-4B8A-9675-E07D4898191B}"/>
               </a:ext>
             </a:extLst>
           </p:cNvPr>
@@ -57787,7 +57791,7 @@
           <p:cNvPr id="11" name="Google Shape;124;p7">
             <a:extLst>
               <a:ext uri="{FF2B5EF4-FFF2-40B4-BE49-F238E27FC236}">
-                <a16:creationId xmlns:a16="http://schemas.microsoft.com/office/drawing/2014/main" xmlns="" id="{42586C2D-89D1-4B8A-9675-E07D4898191B}"/>
+                <a16:creationId xmlns="" xmlns:a16="http://schemas.microsoft.com/office/drawing/2014/main" id="{42586C2D-89D1-4B8A-9675-E07D4898191B}"/>
               </a:ext>
             </a:extLst>
           </p:cNvPr>
@@ -57823,11 +57827,7 @@
             </a:r>
             <a:r>
               <a:rPr lang="es-ES" b="1" dirty="0" smtClean="0"/>
-              <a:t> Bidireccional – Código completo -  </a:t>
-            </a:r>
-            <a:r>
-              <a:rPr lang="es-ES" b="1" dirty="0" smtClean="0"/>
-              <a:t>empleado.component.html</a:t>
+              <a:t> Bidireccional – Código completo -  empleado.component.html</a:t>
             </a:r>
             <a:r>
               <a:rPr lang="es-ES" dirty="0" smtClean="0"/>
@@ -58398,7 +58398,7 @@
           <p:cNvPr id="11" name="Google Shape;124;p7">
             <a:extLst>
               <a:ext uri="{FF2B5EF4-FFF2-40B4-BE49-F238E27FC236}">
-                <a16:creationId xmlns:a16="http://schemas.microsoft.com/office/drawing/2014/main" xmlns="" id="{42586C2D-89D1-4B8A-9675-E07D4898191B}"/>
+                <a16:creationId xmlns="" xmlns:a16="http://schemas.microsoft.com/office/drawing/2014/main" id="{42586C2D-89D1-4B8A-9675-E07D4898191B}"/>
               </a:ext>
             </a:extLst>
           </p:cNvPr>
@@ -58854,7 +58854,7 @@
           <p:cNvPr id="11" name="Google Shape;124;p7">
             <a:extLst>
               <a:ext uri="{FF2B5EF4-FFF2-40B4-BE49-F238E27FC236}">
-                <a16:creationId xmlns:a16="http://schemas.microsoft.com/office/drawing/2014/main" xmlns="" id="{42586C2D-89D1-4B8A-9675-E07D4898191B}"/>
+                <a16:creationId xmlns="" xmlns:a16="http://schemas.microsoft.com/office/drawing/2014/main" id="{42586C2D-89D1-4B8A-9675-E07D4898191B}"/>
               </a:ext>
             </a:extLst>
           </p:cNvPr>
@@ -59808,7 +59808,7 @@
   <a:extraClrSchemeLst/>
   <a:extLst>
     <a:ext uri="{05A4C25C-085E-4340-85A3-A5531E510DB2}">
-      <thm15:themeFamily xmlns:thm15="http://schemas.microsoft.com/office/thememl/2012/main" xmlns="" name="Office Theme" id="{62F939B6-93AF-4DB8-9C6B-D6C7DFDC589F}" vid="{4A3C46E8-61CC-4603-A589-7422A47A8E4A}"/>
+      <thm15:themeFamily xmlns="" xmlns:thm15="http://schemas.microsoft.com/office/thememl/2012/main" name="Office Theme" id="{62F939B6-93AF-4DB8-9C6B-D6C7DFDC589F}" vid="{4A3C46E8-61CC-4603-A589-7422A47A8E4A}"/>
     </a:ext>
   </a:extLst>
 </a:theme>
